--- a/DB104.pptx
+++ b/DB104.pptx
@@ -7918,7 +7918,45 @@
             </a:pPr>
             <a:r>
               <a:rPr lang="zh-TW"/>
-              <a:t>痞客邦（約300萬筆資料）</a:t>
+              <a:t>痞客邦（約300萬筆資料</a:t>
+            </a:r>
+            <a:r>
+              <a:rPr lang="zh-TW"/>
+              <a:t>）</a:t>
+            </a:r>
+            <a:endParaRPr/>
+          </a:p>
+          <a:p>
+            <a:pPr indent="-342900" lvl="0" marL="457200" rtl="0" algn="l">
+              <a:spcBef>
+                <a:spcPts val="0"/>
+              </a:spcBef>
+              <a:spcAft>
+                <a:spcPts val="0"/>
+              </a:spcAft>
+              <a:buSzPts val="1800"/>
+              <a:buAutoNum type="arabicPeriod"/>
+            </a:pPr>
+            <a:r>
+              <a:rPr lang="zh-TW"/>
+              <a:t>愛食記（約5萬筆資料）</a:t>
+            </a:r>
+            <a:endParaRPr/>
+          </a:p>
+          <a:p>
+            <a:pPr indent="-342900" lvl="0" marL="457200" rtl="0" algn="l">
+              <a:spcBef>
+                <a:spcPts val="0"/>
+              </a:spcBef>
+              <a:spcAft>
+                <a:spcPts val="0"/>
+              </a:spcAft>
+              <a:buSzPts val="1800"/>
+              <a:buAutoNum type="arabicPeriod"/>
+            </a:pPr>
+            <a:r>
+              <a:rPr lang="zh-TW"/>
+              <a:t>Walker旅遊美食網（約20萬筆資料）</a:t>
             </a:r>
             <a:endParaRPr/>
           </a:p>
@@ -8196,9 +8234,109 @@
           <a:chExt cx="0" cy="0"/>
         </a:xfrm>
       </p:grpSpPr>
+      <p:sp>
+        <p:nvSpPr>
+          <p:cNvPr id="95" name="Google Shape;95;p18"/>
+          <p:cNvSpPr txBox="1"/>
+          <p:nvPr>
+            <p:ph type="title"/>
+          </p:nvPr>
+        </p:nvSpPr>
+        <p:spPr>
+          <a:xfrm>
+            <a:off x="311700" y="391350"/>
+            <a:ext cx="8520600" cy="626100"/>
+          </a:xfrm>
+          <a:prstGeom prst="rect">
+            <a:avLst/>
+          </a:prstGeom>
+        </p:spPr>
+        <p:txBody>
+          <a:bodyPr anchorCtr="0" anchor="t" bIns="91425" lIns="91425" spcFirstLastPara="1" rIns="91425" wrap="square" tIns="91425">
+            <a:noAutofit/>
+          </a:bodyPr>
+          <a:lstStyle/>
+          <a:p>
+            <a:pPr indent="0" lvl="0" marL="0" marR="0" rtl="0" algn="l">
+              <a:lnSpc>
+                <a:spcPct val="115000"/>
+              </a:lnSpc>
+              <a:spcBef>
+                <a:spcPts val="0"/>
+              </a:spcBef>
+              <a:spcAft>
+                <a:spcPts val="0"/>
+              </a:spcAft>
+              <a:buNone/>
+            </a:pPr>
+            <a:r>
+              <a:rPr lang="zh-TW" sz="3000">
+                <a:solidFill>
+                  <a:srgbClr val="000000"/>
+                </a:solidFill>
+                <a:latin typeface="Arial"/>
+                <a:ea typeface="Arial"/>
+                <a:cs typeface="Arial"/>
+                <a:sym typeface="Arial"/>
+              </a:rPr>
+              <a:t>分析方法：</a:t>
+            </a:r>
+            <a:endParaRPr sz="3000">
+              <a:solidFill>
+                <a:srgbClr val="000000"/>
+              </a:solidFill>
+              <a:latin typeface="Arial"/>
+              <a:ea typeface="Arial"/>
+              <a:cs typeface="Arial"/>
+              <a:sym typeface="Arial"/>
+            </a:endParaRPr>
+          </a:p>
+          <a:p>
+            <a:pPr indent="0" lvl="0" marL="0" rtl="0" algn="l">
+              <a:lnSpc>
+                <a:spcPct val="115000"/>
+              </a:lnSpc>
+              <a:spcBef>
+                <a:spcPts val="0"/>
+              </a:spcBef>
+              <a:spcAft>
+                <a:spcPts val="0"/>
+              </a:spcAft>
+              <a:buNone/>
+            </a:pPr>
+            <a:r>
+              <a:t/>
+            </a:r>
+            <a:endParaRPr sz="3000">
+              <a:solidFill>
+                <a:srgbClr val="000000"/>
+              </a:solidFill>
+              <a:latin typeface="Arial"/>
+              <a:ea typeface="Arial"/>
+              <a:cs typeface="Arial"/>
+              <a:sym typeface="Arial"/>
+            </a:endParaRPr>
+          </a:p>
+          <a:p>
+            <a:pPr indent="0" lvl="0" marL="0" rtl="0" algn="l">
+              <a:spcBef>
+                <a:spcPts val="0"/>
+              </a:spcBef>
+              <a:spcAft>
+                <a:spcPts val="0"/>
+              </a:spcAft>
+              <a:buNone/>
+            </a:pPr>
+            <a:r>
+              <a:t/>
+            </a:r>
+            <a:endParaRPr/>
+          </a:p>
+        </p:txBody>
+      </p:sp>
       <p:pic>
         <p:nvPicPr>
-          <p:cNvPr id="95" name="Google Shape;95;p18"/>
+          <p:cNvPr id="96" name="Google Shape;96;p18"/>
           <p:cNvPicPr preferRelativeResize="0"/>
           <p:nvPr/>
         </p:nvPicPr>
@@ -8212,8 +8350,8 @@
         </p:blipFill>
         <p:spPr>
           <a:xfrm>
-            <a:off x="1925608" y="0"/>
-            <a:ext cx="5292784" cy="5143500"/>
+            <a:off x="2209800" y="0"/>
+            <a:ext cx="5135953" cy="4991100"/>
           </a:xfrm>
           <a:prstGeom prst="rect">
             <a:avLst/>
